--- a/assets/lectures/cbw-cshl/2019/full/RNASeq_Module5_Lecture.pptx
+++ b/assets/lectures/cbw-cshl/2019/full/RNASeq_Module5_Lecture.pptx
@@ -5,7 +5,7 @@
     <p:sldMasterId id="2147483648" r:id="rId1"/>
   </p:sldMasterIdLst>
   <p:notesMasterIdLst>
-    <p:notesMasterId r:id="rId17"/>
+    <p:notesMasterId r:id="rId16"/>
   </p:notesMasterIdLst>
   <p:sldIdLst>
     <p:sldId id="256" r:id="rId2"/>
@@ -20,9 +20,8 @@
     <p:sldId id="520" r:id="rId11"/>
     <p:sldId id="521" r:id="rId12"/>
     <p:sldId id="522" r:id="rId13"/>
-    <p:sldId id="525" r:id="rId14"/>
-    <p:sldId id="524" r:id="rId15"/>
-    <p:sldId id="260" r:id="rId16"/>
+    <p:sldId id="524" r:id="rId14"/>
+    <p:sldId id="260" r:id="rId15"/>
   </p:sldIdLst>
   <p:sldSz cx="12192000" cy="6858000"/>
   <p:notesSz cx="6858000" cy="9144000"/>
@@ -568,90 +567,6 @@
 </p:notes>
 </file>
 
-<file path=ppt/notesSlides/notesSlide10.xml><?xml version="1.0" encoding="utf-8"?>
-<p:notes xmlns:a="http://schemas.openxmlformats.org/drawingml/2006/main" xmlns:r="http://schemas.openxmlformats.org/officeDocument/2006/relationships" xmlns:p="http://schemas.openxmlformats.org/presentationml/2006/main">
-  <p:cSld>
-    <p:spTree>
-      <p:nvGrpSpPr>
-        <p:cNvPr id="1" name=""/>
-        <p:cNvGrpSpPr/>
-        <p:nvPr/>
-      </p:nvGrpSpPr>
-      <p:grpSpPr>
-        <a:xfrm>
-          <a:off x="0" y="0"/>
-          <a:ext cx="0" cy="0"/>
-          <a:chOff x="0" y="0"/>
-          <a:chExt cx="0" cy="0"/>
-        </a:xfrm>
-      </p:grpSpPr>
-      <p:sp>
-        <p:nvSpPr>
-          <p:cNvPr id="2" name="Slide Image Placeholder 1"/>
-          <p:cNvSpPr>
-            <a:spLocks noGrp="1" noRot="1" noChangeAspect="1"/>
-          </p:cNvSpPr>
-          <p:nvPr>
-            <p:ph type="sldImg"/>
-          </p:nvPr>
-        </p:nvSpPr>
-        <p:spPr/>
-      </p:sp>
-      <p:sp>
-        <p:nvSpPr>
-          <p:cNvPr id="3" name="Notes Placeholder 2"/>
-          <p:cNvSpPr>
-            <a:spLocks noGrp="1"/>
-          </p:cNvSpPr>
-          <p:nvPr>
-            <p:ph type="body" idx="1"/>
-          </p:nvPr>
-        </p:nvSpPr>
-        <p:spPr/>
-        <p:txBody>
-          <a:bodyPr/>
-          <a:lstStyle/>
-          <a:p>
-            <a:endParaRPr lang="en-US" dirty="0"/>
-          </a:p>
-        </p:txBody>
-      </p:sp>
-      <p:sp>
-        <p:nvSpPr>
-          <p:cNvPr id="4" name="Slide Number Placeholder 3"/>
-          <p:cNvSpPr>
-            <a:spLocks noGrp="1"/>
-          </p:cNvSpPr>
-          <p:nvPr>
-            <p:ph type="sldNum" sz="quarter" idx="5"/>
-          </p:nvPr>
-        </p:nvSpPr>
-        <p:spPr/>
-        <p:txBody>
-          <a:bodyPr/>
-          <a:lstStyle/>
-          <a:p>
-            <a:fld id="{419BFF29-0455-3C47-A931-C775FC776F32}" type="slidenum">
-              <a:rPr lang="en-US" smtClean="0"/>
-              <a:t>15</a:t>
-            </a:fld>
-            <a:endParaRPr lang="en-US"/>
-          </a:p>
-        </p:txBody>
-      </p:sp>
-    </p:spTree>
-    <p:extLst>
-      <p:ext uri="{BB962C8B-B14F-4D97-AF65-F5344CB8AC3E}">
-        <p14:creationId xmlns:p14="http://schemas.microsoft.com/office/powerpoint/2010/main" val="1927079178"/>
-      </p:ext>
-    </p:extLst>
-  </p:cSld>
-  <p:clrMapOvr>
-    <a:masterClrMapping/>
-  </p:clrMapOvr>
-</p:notes>
-</file>
-
 <file path=ppt/notesSlides/notesSlide2.xml><?xml version="1.0" encoding="utf-8"?>
 <p:notes xmlns:a="http://schemas.openxmlformats.org/drawingml/2006/main" xmlns:r="http://schemas.openxmlformats.org/officeDocument/2006/relationships" xmlns:p="http://schemas.openxmlformats.org/presentationml/2006/main">
   <p:cSld>
@@ -1272,7 +1187,7 @@
     </p:spTree>
     <p:extLst>
       <p:ext uri="{BB962C8B-B14F-4D97-AF65-F5344CB8AC3E}">
-        <p14:creationId xmlns:p14="http://schemas.microsoft.com/office/powerpoint/2010/main" val="3836131732"/>
+        <p14:creationId xmlns:p14="http://schemas.microsoft.com/office/powerpoint/2010/main" val="1089526854"/>
       </p:ext>
     </p:extLst>
   </p:cSld>
@@ -1326,7 +1241,7 @@
           <a:bodyPr/>
           <a:lstStyle/>
           <a:p>
-            <a:endParaRPr lang="en-US"/>
+            <a:endParaRPr lang="en-US" dirty="0"/>
           </a:p>
         </p:txBody>
       </p:sp>
@@ -1337,7 +1252,7 @@
             <a:spLocks noGrp="1"/>
           </p:cNvSpPr>
           <p:nvPr>
-            <p:ph type="sldNum" sz="quarter" idx="10"/>
+            <p:ph type="sldNum" sz="quarter" idx="5"/>
           </p:nvPr>
         </p:nvSpPr>
         <p:spPr/>
@@ -1345,14 +1260,8 @@
           <a:bodyPr/>
           <a:lstStyle/>
           <a:p>
-            <a:pPr>
-              <a:defRPr/>
-            </a:pPr>
-            <a:fld id="{F3969550-FBCF-404B-9FAA-7B1DCDF2C4FF}" type="slidenum">
+            <a:fld id="{419BFF29-0455-3C47-A931-C775FC776F32}" type="slidenum">
               <a:rPr lang="en-US" smtClean="0"/>
-              <a:pPr>
-                <a:defRPr/>
-              </a:pPr>
               <a:t>14</a:t>
             </a:fld>
             <a:endParaRPr lang="en-US"/>
@@ -1362,7 +1271,7 @@
     </p:spTree>
     <p:extLst>
       <p:ext uri="{BB962C8B-B14F-4D97-AF65-F5344CB8AC3E}">
-        <p14:creationId xmlns:p14="http://schemas.microsoft.com/office/powerpoint/2010/main" val="1089526854"/>
+        <p14:creationId xmlns:p14="http://schemas.microsoft.com/office/powerpoint/2010/main" val="1927079178"/>
       </p:ext>
     </p:extLst>
   </p:cSld>
@@ -1626,14 +1535,14 @@
           </a:ln>
           <a:extLst>
             <a:ext uri="{909E8E84-426E-40dd-AFC4-6F175D3DCCD1}">
-              <a14:hiddenFill xmlns:a14="http://schemas.microsoft.com/office/drawing/2010/main" xmlns="">
+              <a14:hiddenFill xmlns="" xmlns:a14="http://schemas.microsoft.com/office/drawing/2010/main">
                 <a:solidFill>
                   <a:srgbClr val="FFFFFF"/>
                 </a:solidFill>
               </a14:hiddenFill>
             </a:ext>
             <a:ext uri="{91240B29-F687-4f45-9708-019B960494DF}">
-              <a14:hiddenLine xmlns:a14="http://schemas.microsoft.com/office/drawing/2010/main" xmlns="" w="9525">
+              <a14:hiddenLine xmlns="" xmlns:a14="http://schemas.microsoft.com/office/drawing/2010/main" w="9525">
                 <a:solidFill>
                   <a:srgbClr val="000000"/>
                 </a:solidFill>
@@ -3917,7 +3826,7 @@
         <p:spPr bwMode="auto">
           <a:xfrm>
             <a:off x="0" y="6430962"/>
-            <a:ext cx="6705600" cy="396875"/>
+            <a:ext cx="6705600" cy="400110"/>
           </a:xfrm>
           <a:prstGeom prst="rect">
             <a:avLst/>
@@ -3928,14 +3837,14 @@
           </a:ln>
           <a:extLst>
             <a:ext uri="{909E8E84-426E-40dd-AFC4-6F175D3DCCD1}">
-              <a14:hiddenFill xmlns:a14="http://schemas.microsoft.com/office/drawing/2010/main" xmlns="">
+              <a14:hiddenFill xmlns="" xmlns:a14="http://schemas.microsoft.com/office/drawing/2010/main">
                 <a:solidFill>
                   <a:srgbClr val="FFFFFF"/>
                 </a:solidFill>
               </a14:hiddenFill>
             </a:ext>
             <a:ext uri="{91240B29-F687-4f45-9708-019B960494DF}">
-              <a14:hiddenLine xmlns:a14="http://schemas.microsoft.com/office/drawing/2010/main" xmlns="" w="9525">
+              <a14:hiddenLine xmlns="" xmlns:a14="http://schemas.microsoft.com/office/drawing/2010/main" w="9525">
                 <a:solidFill>
                   <a:srgbClr val="000000"/>
                 </a:solidFill>
@@ -4070,7 +3979,7 @@
                 <a:latin typeface="Calibri" charset="0"/>
                 <a:cs typeface="Calibri" charset="0"/>
               </a:rPr>
-              <a:t>Module </a:t>
+              <a:t>Module 11 </a:t>
             </a:r>
           </a:p>
         </p:txBody>
@@ -4988,14 +4897,14 @@
           </a:ln>
           <a:extLst>
             <a:ext uri="{909E8E84-426E-40dd-AFC4-6F175D3DCCD1}">
-              <a14:hiddenFill xmlns:a14="http://schemas.microsoft.com/office/drawing/2010/main" xmlns="">
+              <a14:hiddenFill xmlns="" xmlns:a14="http://schemas.microsoft.com/office/drawing/2010/main">
                 <a:solidFill>
                   <a:srgbClr val="FFFFFF"/>
                 </a:solidFill>
               </a14:hiddenFill>
             </a:ext>
             <a:ext uri="{91240B29-F687-4f45-9708-019B960494DF}">
-              <a14:hiddenLine xmlns:a14="http://schemas.microsoft.com/office/drawing/2010/main" xmlns="" w="9525">
+              <a14:hiddenLine xmlns="" xmlns:a14="http://schemas.microsoft.com/office/drawing/2010/main" w="9525">
                 <a:solidFill>
                   <a:srgbClr val="000000"/>
                 </a:solidFill>
@@ -5554,259 +5463,6 @@
       </p:grpSpPr>
       <p:sp>
         <p:nvSpPr>
-          <p:cNvPr id="8" name="Content Placeholder 3">
-            <a:extLst>
-              <a:ext uri="{FF2B5EF4-FFF2-40B4-BE49-F238E27FC236}">
-                <a16:creationId xmlns:a16="http://schemas.microsoft.com/office/drawing/2014/main" id="{214E4494-C44D-1448-9CED-8B2D3ED5A551}"/>
-              </a:ext>
-            </a:extLst>
-          </p:cNvPr>
-          <p:cNvSpPr txBox="1">
-            <a:spLocks/>
-          </p:cNvSpPr>
-          <p:nvPr/>
-        </p:nvSpPr>
-        <p:spPr>
-          <a:xfrm>
-            <a:off x="1676400" y="2667000"/>
-            <a:ext cx="8839200" cy="1600200"/>
-          </a:xfrm>
-          <a:prstGeom prst="rect">
-            <a:avLst/>
-          </a:prstGeom>
-        </p:spPr>
-        <p:txBody>
-          <a:bodyPr vert="horz" lIns="91440" tIns="45720" rIns="91440" bIns="45720" rtlCol="0">
-            <a:normAutofit/>
-          </a:bodyPr>
-          <a:lstStyle>
-            <a:lvl1pPr marL="228600" indent="-228600" algn="l" defTabSz="914400" rtl="0" eaLnBrk="1" latinLnBrk="0" hangingPunct="1">
-              <a:lnSpc>
-                <a:spcPct val="90000"/>
-              </a:lnSpc>
-              <a:spcBef>
-                <a:spcPts val="1000"/>
-              </a:spcBef>
-              <a:buFont typeface="Arial" panose="020B0604020202020204" pitchFamily="34" charset="0"/>
-              <a:buChar char="•"/>
-              <a:defRPr sz="2800" kern="1200">
-                <a:solidFill>
-                  <a:schemeClr val="tx1"/>
-                </a:solidFill>
-                <a:latin typeface="+mn-lt"/>
-                <a:ea typeface="+mn-ea"/>
-                <a:cs typeface="+mn-cs"/>
-              </a:defRPr>
-            </a:lvl1pPr>
-            <a:lvl2pPr marL="685800" indent="-228600" algn="l" defTabSz="914400" rtl="0" eaLnBrk="1" latinLnBrk="0" hangingPunct="1">
-              <a:lnSpc>
-                <a:spcPct val="90000"/>
-              </a:lnSpc>
-              <a:spcBef>
-                <a:spcPts val="500"/>
-              </a:spcBef>
-              <a:buFont typeface="Arial" panose="020B0604020202020204" pitchFamily="34" charset="0"/>
-              <a:buChar char="•"/>
-              <a:defRPr sz="2400" kern="1200">
-                <a:solidFill>
-                  <a:schemeClr val="tx1"/>
-                </a:solidFill>
-                <a:latin typeface="+mn-lt"/>
-                <a:ea typeface="+mn-ea"/>
-                <a:cs typeface="+mn-cs"/>
-              </a:defRPr>
-            </a:lvl2pPr>
-            <a:lvl3pPr marL="1143000" indent="-228600" algn="l" defTabSz="914400" rtl="0" eaLnBrk="1" latinLnBrk="0" hangingPunct="1">
-              <a:lnSpc>
-                <a:spcPct val="90000"/>
-              </a:lnSpc>
-              <a:spcBef>
-                <a:spcPts val="500"/>
-              </a:spcBef>
-              <a:buFont typeface="Arial" panose="020B0604020202020204" pitchFamily="34" charset="0"/>
-              <a:buChar char="•"/>
-              <a:defRPr sz="2000" kern="1200">
-                <a:solidFill>
-                  <a:schemeClr val="tx1"/>
-                </a:solidFill>
-                <a:latin typeface="+mn-lt"/>
-                <a:ea typeface="+mn-ea"/>
-                <a:cs typeface="+mn-cs"/>
-              </a:defRPr>
-            </a:lvl3pPr>
-            <a:lvl4pPr marL="1600200" indent="-228600" algn="l" defTabSz="914400" rtl="0" eaLnBrk="1" latinLnBrk="0" hangingPunct="1">
-              <a:lnSpc>
-                <a:spcPct val="90000"/>
-              </a:lnSpc>
-              <a:spcBef>
-                <a:spcPts val="500"/>
-              </a:spcBef>
-              <a:buFont typeface="Arial" panose="020B0604020202020204" pitchFamily="34" charset="0"/>
-              <a:buChar char="•"/>
-              <a:defRPr sz="1800" kern="1200">
-                <a:solidFill>
-                  <a:schemeClr val="tx1"/>
-                </a:solidFill>
-                <a:latin typeface="+mn-lt"/>
-                <a:ea typeface="+mn-ea"/>
-                <a:cs typeface="+mn-cs"/>
-              </a:defRPr>
-            </a:lvl4pPr>
-            <a:lvl5pPr marL="2057400" indent="-228600" algn="l" defTabSz="914400" rtl="0" eaLnBrk="1" latinLnBrk="0" hangingPunct="1">
-              <a:lnSpc>
-                <a:spcPct val="90000"/>
-              </a:lnSpc>
-              <a:spcBef>
-                <a:spcPts val="500"/>
-              </a:spcBef>
-              <a:buFont typeface="Arial" panose="020B0604020202020204" pitchFamily="34" charset="0"/>
-              <a:buChar char="•"/>
-              <a:defRPr sz="1800" kern="1200">
-                <a:solidFill>
-                  <a:schemeClr val="tx1"/>
-                </a:solidFill>
-                <a:latin typeface="+mn-lt"/>
-                <a:ea typeface="+mn-ea"/>
-                <a:cs typeface="+mn-cs"/>
-              </a:defRPr>
-            </a:lvl5pPr>
-            <a:lvl6pPr marL="2514600" indent="-228600" algn="l" defTabSz="914400" rtl="0" eaLnBrk="1" latinLnBrk="0" hangingPunct="1">
-              <a:lnSpc>
-                <a:spcPct val="90000"/>
-              </a:lnSpc>
-              <a:spcBef>
-                <a:spcPts val="500"/>
-              </a:spcBef>
-              <a:buFont typeface="Arial" panose="020B0604020202020204" pitchFamily="34" charset="0"/>
-              <a:buChar char="•"/>
-              <a:defRPr sz="1800" kern="1200">
-                <a:solidFill>
-                  <a:schemeClr val="tx1"/>
-                </a:solidFill>
-                <a:latin typeface="+mn-lt"/>
-                <a:ea typeface="+mn-ea"/>
-                <a:cs typeface="+mn-cs"/>
-              </a:defRPr>
-            </a:lvl6pPr>
-            <a:lvl7pPr marL="2971800" indent="-228600" algn="l" defTabSz="914400" rtl="0" eaLnBrk="1" latinLnBrk="0" hangingPunct="1">
-              <a:lnSpc>
-                <a:spcPct val="90000"/>
-              </a:lnSpc>
-              <a:spcBef>
-                <a:spcPts val="500"/>
-              </a:spcBef>
-              <a:buFont typeface="Arial" panose="020B0604020202020204" pitchFamily="34" charset="0"/>
-              <a:buChar char="•"/>
-              <a:defRPr sz="1800" kern="1200">
-                <a:solidFill>
-                  <a:schemeClr val="tx1"/>
-                </a:solidFill>
-                <a:latin typeface="+mn-lt"/>
-                <a:ea typeface="+mn-ea"/>
-                <a:cs typeface="+mn-cs"/>
-              </a:defRPr>
-            </a:lvl7pPr>
-            <a:lvl8pPr marL="3429000" indent="-228600" algn="l" defTabSz="914400" rtl="0" eaLnBrk="1" latinLnBrk="0" hangingPunct="1">
-              <a:lnSpc>
-                <a:spcPct val="90000"/>
-              </a:lnSpc>
-              <a:spcBef>
-                <a:spcPts val="500"/>
-              </a:spcBef>
-              <a:buFont typeface="Arial" panose="020B0604020202020204" pitchFamily="34" charset="0"/>
-              <a:buChar char="•"/>
-              <a:defRPr sz="1800" kern="1200">
-                <a:solidFill>
-                  <a:schemeClr val="tx1"/>
-                </a:solidFill>
-                <a:latin typeface="+mn-lt"/>
-                <a:ea typeface="+mn-ea"/>
-                <a:cs typeface="+mn-cs"/>
-              </a:defRPr>
-            </a:lvl8pPr>
-            <a:lvl9pPr marL="3886200" indent="-228600" algn="l" defTabSz="914400" rtl="0" eaLnBrk="1" latinLnBrk="0" hangingPunct="1">
-              <a:lnSpc>
-                <a:spcPct val="90000"/>
-              </a:lnSpc>
-              <a:spcBef>
-                <a:spcPts val="500"/>
-              </a:spcBef>
-              <a:buFont typeface="Arial" panose="020B0604020202020204" pitchFamily="34" charset="0"/>
-              <a:buChar char="•"/>
-              <a:defRPr sz="1800" kern="1200">
-                <a:solidFill>
-                  <a:schemeClr val="tx1"/>
-                </a:solidFill>
-                <a:latin typeface="+mn-lt"/>
-                <a:ea typeface="+mn-ea"/>
-                <a:cs typeface="+mn-cs"/>
-              </a:defRPr>
-            </a:lvl9pPr>
-          </a:lstStyle>
-          <a:p>
-            <a:pPr algn="ctr">
-              <a:buFont typeface="Arial" charset="0"/>
-              <a:buNone/>
-            </a:pPr>
-            <a:r>
-              <a:rPr lang="en-US" sz="4400" b="1">
-                <a:latin typeface="Calibri" charset="0"/>
-                <a:ea typeface="ＭＳ Ｐゴシック" charset="0"/>
-              </a:rPr>
-              <a:t>Introduction to tutorial </a:t>
-            </a:r>
-          </a:p>
-          <a:p>
-            <a:pPr algn="ctr">
-              <a:buFont typeface="Arial" charset="0"/>
-              <a:buNone/>
-            </a:pPr>
-            <a:r>
-              <a:rPr lang="en-US" sz="4400" b="1">
-                <a:latin typeface="Calibri" charset="0"/>
-                <a:ea typeface="ＭＳ Ｐゴシック" charset="0"/>
-              </a:rPr>
-              <a:t>(Module 5)</a:t>
-            </a:r>
-            <a:endParaRPr lang="en-US" sz="4400" b="1" dirty="0">
-              <a:latin typeface="Calibri" charset="0"/>
-              <a:ea typeface="ＭＳ Ｐゴシック" charset="0"/>
-            </a:endParaRPr>
-          </a:p>
-        </p:txBody>
-      </p:sp>
-    </p:spTree>
-    <p:extLst>
-      <p:ext uri="{BB962C8B-B14F-4D97-AF65-F5344CB8AC3E}">
-        <p14:creationId xmlns:p14="http://schemas.microsoft.com/office/powerpoint/2010/main" val="998717020"/>
-      </p:ext>
-    </p:extLst>
-  </p:cSld>
-  <p:clrMapOvr>
-    <a:masterClrMapping/>
-  </p:clrMapOvr>
-</p:sld>
-</file>
-
-<file path=ppt/slides/slide14.xml><?xml version="1.0" encoding="utf-8"?>
-<p:sld xmlns:a="http://schemas.openxmlformats.org/drawingml/2006/main" xmlns:r="http://schemas.openxmlformats.org/officeDocument/2006/relationships" xmlns:p="http://schemas.openxmlformats.org/presentationml/2006/main">
-  <p:cSld>
-    <p:spTree>
-      <p:nvGrpSpPr>
-        <p:cNvPr id="1" name=""/>
-        <p:cNvGrpSpPr/>
-        <p:nvPr/>
-      </p:nvGrpSpPr>
-      <p:grpSpPr>
-        <a:xfrm>
-          <a:off x="0" y="0"/>
-          <a:ext cx="0" cy="0"/>
-          <a:chOff x="0" y="0"/>
-          <a:chExt cx="0" cy="0"/>
-        </a:xfrm>
-      </p:grpSpPr>
-      <p:sp>
-        <p:nvSpPr>
           <p:cNvPr id="25603" name="Title 4"/>
           <p:cNvSpPr>
             <a:spLocks noGrp="1"/>
@@ -5916,6 +5572,203 @@
           </a:prstGeom>
         </p:spPr>
       </p:pic>
+      <p:sp>
+        <p:nvSpPr>
+          <p:cNvPr id="5" name="TextBox 3">
+            <a:extLst>
+              <a:ext uri="{FF2B5EF4-FFF2-40B4-BE49-F238E27FC236}">
+                <a16:creationId xmlns:a16="http://schemas.microsoft.com/office/drawing/2014/main" id="{FA51A8A2-D1C5-DD4C-9152-A9DCBD5C8D24}"/>
+              </a:ext>
+            </a:extLst>
+          </p:cNvPr>
+          <p:cNvSpPr txBox="1">
+            <a:spLocks noChangeArrowheads="1"/>
+          </p:cNvSpPr>
+          <p:nvPr/>
+        </p:nvSpPr>
+        <p:spPr bwMode="auto">
+          <a:xfrm>
+            <a:off x="5159971" y="1755883"/>
+            <a:ext cx="1188146" cy="338554"/>
+          </a:xfrm>
+          <a:prstGeom prst="rect">
+            <a:avLst/>
+          </a:prstGeom>
+          <a:solidFill>
+            <a:schemeClr val="bg1"/>
+          </a:solidFill>
+          <a:ln>
+            <a:noFill/>
+          </a:ln>
+          <a:extLst>
+            <a:ext uri="{909E8E84-426E-40dd-AFC4-6F175D3DCCD1}">
+              <a14:hiddenFill xmlns:a14="http://schemas.microsoft.com/office/drawing/2010/main" xmlns="">
+                <a:solidFill>
+                  <a:srgbClr val="FFFFFF"/>
+                </a:solidFill>
+              </a14:hiddenFill>
+            </a:ext>
+            <a:ext uri="{91240B29-F687-4f45-9708-019B960494DF}">
+              <a14:hiddenLine xmlns:a14="http://schemas.microsoft.com/office/drawing/2010/main" xmlns="" w="9525">
+                <a:solidFill>
+                  <a:srgbClr val="000000"/>
+                </a:solidFill>
+                <a:miter lim="800000"/>
+                <a:headEnd/>
+                <a:tailEnd/>
+              </a14:hiddenLine>
+            </a:ext>
+          </a:extLst>
+        </p:spPr>
+        <p:txBody>
+          <a:bodyPr wrap="none">
+            <a:spAutoFit/>
+          </a:bodyPr>
+          <a:lstStyle>
+            <a:lvl1pPr eaLnBrk="0" hangingPunct="0">
+              <a:defRPr sz="2400">
+                <a:solidFill>
+                  <a:schemeClr val="tx1"/>
+                </a:solidFill>
+                <a:latin typeface="Arial" charset="0"/>
+                <a:ea typeface="ＭＳ Ｐゴシック" charset="0"/>
+                <a:cs typeface="ＭＳ Ｐゴシック" charset="0"/>
+              </a:defRPr>
+            </a:lvl1pPr>
+            <a:lvl2pPr marL="742950" indent="-285750" eaLnBrk="0" hangingPunct="0">
+              <a:defRPr sz="2400">
+                <a:solidFill>
+                  <a:schemeClr val="tx1"/>
+                </a:solidFill>
+                <a:latin typeface="Arial" charset="0"/>
+                <a:ea typeface="ＭＳ Ｐゴシック" charset="0"/>
+              </a:defRPr>
+            </a:lvl2pPr>
+            <a:lvl3pPr marL="1143000" indent="-228600" eaLnBrk="0" hangingPunct="0">
+              <a:defRPr sz="2400">
+                <a:solidFill>
+                  <a:schemeClr val="tx1"/>
+                </a:solidFill>
+                <a:latin typeface="Arial" charset="0"/>
+                <a:ea typeface="ＭＳ Ｐゴシック" charset="0"/>
+              </a:defRPr>
+            </a:lvl3pPr>
+            <a:lvl4pPr marL="1600200" indent="-228600" eaLnBrk="0" hangingPunct="0">
+              <a:defRPr sz="2400">
+                <a:solidFill>
+                  <a:schemeClr val="tx1"/>
+                </a:solidFill>
+                <a:latin typeface="Arial" charset="0"/>
+                <a:ea typeface="ＭＳ Ｐゴシック" charset="0"/>
+              </a:defRPr>
+            </a:lvl4pPr>
+            <a:lvl5pPr marL="2057400" indent="-228600" eaLnBrk="0" hangingPunct="0">
+              <a:defRPr sz="2400">
+                <a:solidFill>
+                  <a:schemeClr val="tx1"/>
+                </a:solidFill>
+                <a:latin typeface="Arial" charset="0"/>
+                <a:ea typeface="ＭＳ Ｐゴシック" charset="0"/>
+              </a:defRPr>
+            </a:lvl5pPr>
+            <a:lvl6pPr marL="2514600" indent="-228600" eaLnBrk="0" fontAlgn="base" hangingPunct="0">
+              <a:spcBef>
+                <a:spcPct val="0"/>
+              </a:spcBef>
+              <a:spcAft>
+                <a:spcPct val="0"/>
+              </a:spcAft>
+              <a:defRPr sz="2400">
+                <a:solidFill>
+                  <a:schemeClr val="tx1"/>
+                </a:solidFill>
+                <a:latin typeface="Arial" charset="0"/>
+                <a:ea typeface="ＭＳ Ｐゴシック" charset="0"/>
+              </a:defRPr>
+            </a:lvl6pPr>
+            <a:lvl7pPr marL="2971800" indent="-228600" eaLnBrk="0" fontAlgn="base" hangingPunct="0">
+              <a:spcBef>
+                <a:spcPct val="0"/>
+              </a:spcBef>
+              <a:spcAft>
+                <a:spcPct val="0"/>
+              </a:spcAft>
+              <a:defRPr sz="2400">
+                <a:solidFill>
+                  <a:schemeClr val="tx1"/>
+                </a:solidFill>
+                <a:latin typeface="Arial" charset="0"/>
+                <a:ea typeface="ＭＳ Ｐゴシック" charset="0"/>
+              </a:defRPr>
+            </a:lvl7pPr>
+            <a:lvl8pPr marL="3429000" indent="-228600" eaLnBrk="0" fontAlgn="base" hangingPunct="0">
+              <a:spcBef>
+                <a:spcPct val="0"/>
+              </a:spcBef>
+              <a:spcAft>
+                <a:spcPct val="0"/>
+              </a:spcAft>
+              <a:defRPr sz="2400">
+                <a:solidFill>
+                  <a:schemeClr val="tx1"/>
+                </a:solidFill>
+                <a:latin typeface="Arial" charset="0"/>
+                <a:ea typeface="ＭＳ Ｐゴシック" charset="0"/>
+              </a:defRPr>
+            </a:lvl8pPr>
+            <a:lvl9pPr marL="3886200" indent="-228600" eaLnBrk="0" fontAlgn="base" hangingPunct="0">
+              <a:spcBef>
+                <a:spcPct val="0"/>
+              </a:spcBef>
+              <a:spcAft>
+                <a:spcPct val="0"/>
+              </a:spcAft>
+              <a:defRPr sz="2400">
+                <a:solidFill>
+                  <a:schemeClr val="tx1"/>
+                </a:solidFill>
+                <a:latin typeface="Arial" charset="0"/>
+                <a:ea typeface="ＭＳ Ｐゴシック" charset="0"/>
+              </a:defRPr>
+            </a:lvl9pPr>
+          </a:lstStyle>
+          <a:p>
+            <a:pPr marL="0" marR="0" lvl="0" indent="0" defTabSz="914400" eaLnBrk="1" fontAlgn="base" latinLnBrk="0" hangingPunct="1">
+              <a:lnSpc>
+                <a:spcPct val="100000"/>
+              </a:lnSpc>
+              <a:spcBef>
+                <a:spcPct val="0"/>
+              </a:spcBef>
+              <a:spcAft>
+                <a:spcPct val="0"/>
+              </a:spcAft>
+              <a:buClrTx/>
+              <a:buSzTx/>
+              <a:buFontTx/>
+              <a:buNone/>
+              <a:tabLst/>
+              <a:defRPr/>
+            </a:pPr>
+            <a:r>
+              <a:rPr kumimoji="0" lang="en-US" sz="1600" b="1" i="0" u="none" strike="noStrike" kern="0" cap="none" spc="0" normalizeH="0" baseline="0" noProof="0" dirty="0">
+                <a:ln>
+                  <a:noFill/>
+                </a:ln>
+                <a:solidFill>
+                  <a:prstClr val="black"/>
+                </a:solidFill>
+                <a:effectLst/>
+                <a:uLnTx/>
+                <a:uFillTx/>
+                <a:latin typeface="Arial" charset="0"/>
+                <a:ea typeface="ＭＳ Ｐゴシック" charset="0"/>
+              </a:rPr>
+              <a:t>Module 11</a:t>
+            </a:r>
+          </a:p>
+        </p:txBody>
+      </p:sp>
     </p:spTree>
     <p:extLst>
       <p:ext uri="{BB962C8B-B14F-4D97-AF65-F5344CB8AC3E}">
@@ -5929,7 +5782,7 @@
 </p:sld>
 </file>
 
-<file path=ppt/slides/slide15.xml><?xml version="1.0" encoding="utf-8"?>
+<file path=ppt/slides/slide14.xml><?xml version="1.0" encoding="utf-8"?>
 <p:sld xmlns:a="http://schemas.openxmlformats.org/drawingml/2006/main" xmlns:r="http://schemas.openxmlformats.org/officeDocument/2006/relationships" xmlns:p="http://schemas.openxmlformats.org/presentationml/2006/main">
   <p:cSld>
     <p:spTree>
@@ -6290,7 +6143,7 @@
                 <a:latin typeface="Calibri" charset="0"/>
                 <a:cs typeface="Segoe UI" charset="0"/>
               </a:rPr>
-              <a:t> Module 5</a:t>
+              <a:t> Module 11</a:t>
             </a:r>
             <a:br>
               <a:rPr lang="en-US" sz="4000" dirty="0">
@@ -6500,14 +6353,14 @@
           </a:ln>
           <a:extLst>
             <a:ext uri="{909E8E84-426E-40dd-AFC4-6F175D3DCCD1}">
-              <a14:hiddenFill xmlns:a14="http://schemas.microsoft.com/office/drawing/2010/main" xmlns="">
+              <a14:hiddenFill xmlns="" xmlns:a14="http://schemas.microsoft.com/office/drawing/2010/main">
                 <a:solidFill>
                   <a:srgbClr val="FFFFFF"/>
                 </a:solidFill>
               </a14:hiddenFill>
             </a:ext>
             <a:ext uri="{91240B29-F687-4f45-9708-019B960494DF}">
-              <a14:hiddenLine xmlns:a14="http://schemas.microsoft.com/office/drawing/2010/main" xmlns="" w="9525">
+              <a14:hiddenLine xmlns="" xmlns:a14="http://schemas.microsoft.com/office/drawing/2010/main" w="9525">
                 <a:solidFill>
                   <a:srgbClr val="000000"/>
                 </a:solidFill>
@@ -6612,7 +6465,7 @@
                 <a:latin typeface="Calibri" panose="020F0502020204030204" pitchFamily="34" charset="0"/>
                 <a:cs typeface="Calibri" panose="020F0502020204030204" pitchFamily="34" charset="0"/>
               </a:rPr>
-              <a:t>Module 1: Introduction to RNA Sequencing</a:t>
+              <a:t>Module 7: Introduction to RNA Sequencing</a:t>
             </a:r>
           </a:p>
           <a:p>
@@ -6624,7 +6477,7 @@
                 <a:latin typeface="Calibri" panose="020F0502020204030204" pitchFamily="34" charset="0"/>
                 <a:cs typeface="Calibri" panose="020F0502020204030204" pitchFamily="34" charset="0"/>
               </a:rPr>
-              <a:t>Module 2: Alignment and Visualization</a:t>
+              <a:t>Module 8: Alignment and Visualization</a:t>
             </a:r>
           </a:p>
           <a:p>
@@ -6636,7 +6489,7 @@
                 <a:latin typeface="Calibri" panose="020F0502020204030204" pitchFamily="34" charset="0"/>
                 <a:cs typeface="Calibri" panose="020F0502020204030204" pitchFamily="34" charset="0"/>
               </a:rPr>
-              <a:t>Module 3: Expression and Differential Expression</a:t>
+              <a:t>Module 9: Expression and Differential Expression</a:t>
             </a:r>
           </a:p>
           <a:p>
@@ -6648,7 +6501,7 @@
                 <a:latin typeface="Calibri" panose="020F0502020204030204" pitchFamily="34" charset="0"/>
                 <a:cs typeface="Calibri" panose="020F0502020204030204" pitchFamily="34" charset="0"/>
               </a:rPr>
-              <a:t>Module 4: Alignment Free Expression Estimation</a:t>
+              <a:t>Module 10: Alignment Free Expression Estimation</a:t>
             </a:r>
           </a:p>
           <a:p>
@@ -6660,7 +6513,7 @@
                 <a:latin typeface="Calibri" panose="020F0502020204030204" pitchFamily="34" charset="0"/>
                 <a:cs typeface="Calibri" panose="020F0502020204030204" pitchFamily="34" charset="0"/>
               </a:rPr>
-              <a:t>Module 5: Isoform Discovery and Alternative Expression</a:t>
+              <a:t>Module 11: Isoform Discovery and Alternative Expression</a:t>
             </a:r>
           </a:p>
           <a:p>
@@ -6832,7 +6685,7 @@
                 <a:latin typeface="Calibri" panose="020F0502020204030204" pitchFamily="34" charset="0"/>
                 <a:cs typeface="Calibri" panose="020F0502020204030204" pitchFamily="34" charset="0"/>
               </a:rPr>
-              <a:t>Learning objectives of module 5</a:t>
+              <a:t>Learning objectives of Module 11</a:t>
             </a:r>
           </a:p>
         </p:txBody>
@@ -7295,14 +7148,14 @@
           </a:ln>
           <a:extLst>
             <a:ext uri="{909E8E84-426E-40dd-AFC4-6F175D3DCCD1}">
-              <a14:hiddenFill xmlns:a14="http://schemas.microsoft.com/office/drawing/2010/main" xmlns="">
+              <a14:hiddenFill xmlns="" xmlns:a14="http://schemas.microsoft.com/office/drawing/2010/main">
                 <a:solidFill>
                   <a:srgbClr val="FFFFFF"/>
                 </a:solidFill>
               </a14:hiddenFill>
             </a:ext>
             <a:ext uri="{91240B29-F687-4f45-9708-019B960494DF}">
-              <a14:hiddenLine xmlns:a14="http://schemas.microsoft.com/office/drawing/2010/main" xmlns="" w="9525">
+              <a14:hiddenLine xmlns="" xmlns:a14="http://schemas.microsoft.com/office/drawing/2010/main" w="9525">
                 <a:solidFill>
                   <a:srgbClr val="000000"/>
                 </a:solidFill>
